--- a/면접족보/2021-09-23/[원본]족보11번 메모리그림.pptx
+++ b/면접족보/2021-09-23/[원본]족보11번 메모리그림.pptx
@@ -288,7 +288,7 @@
           <a:p>
             <a:fld id="{BAA37A52-8346-44EA-BF0C-62977452E039}" type="datetimeFigureOut">
               <a:rPr lang="ko-KR" altLang="en-US" smtClean="0"/>
-              <a:t>2021-09-23(Thu)</a:t>
+              <a:t>2021-09-24(Fri)</a:t>
             </a:fld>
             <a:endParaRPr lang="ko-KR" altLang="en-US"/>
           </a:p>
@@ -458,7 +458,7 @@
           <a:p>
             <a:fld id="{BAA37A52-8346-44EA-BF0C-62977452E039}" type="datetimeFigureOut">
               <a:rPr lang="ko-KR" altLang="en-US" smtClean="0"/>
-              <a:t>2021-09-23(Thu)</a:t>
+              <a:t>2021-09-24(Fri)</a:t>
             </a:fld>
             <a:endParaRPr lang="ko-KR" altLang="en-US"/>
           </a:p>
@@ -638,7 +638,7 @@
           <a:p>
             <a:fld id="{BAA37A52-8346-44EA-BF0C-62977452E039}" type="datetimeFigureOut">
               <a:rPr lang="ko-KR" altLang="en-US" smtClean="0"/>
-              <a:t>2021-09-23(Thu)</a:t>
+              <a:t>2021-09-24(Fri)</a:t>
             </a:fld>
             <a:endParaRPr lang="ko-KR" altLang="en-US"/>
           </a:p>
@@ -808,7 +808,7 @@
           <a:p>
             <a:fld id="{BAA37A52-8346-44EA-BF0C-62977452E039}" type="datetimeFigureOut">
               <a:rPr lang="ko-KR" altLang="en-US" smtClean="0"/>
-              <a:t>2021-09-23(Thu)</a:t>
+              <a:t>2021-09-24(Fri)</a:t>
             </a:fld>
             <a:endParaRPr lang="ko-KR" altLang="en-US"/>
           </a:p>
@@ -1054,7 +1054,7 @@
           <a:p>
             <a:fld id="{BAA37A52-8346-44EA-BF0C-62977452E039}" type="datetimeFigureOut">
               <a:rPr lang="ko-KR" altLang="en-US" smtClean="0"/>
-              <a:t>2021-09-23(Thu)</a:t>
+              <a:t>2021-09-24(Fri)</a:t>
             </a:fld>
             <a:endParaRPr lang="ko-KR" altLang="en-US"/>
           </a:p>
@@ -1342,7 +1342,7 @@
           <a:p>
             <a:fld id="{BAA37A52-8346-44EA-BF0C-62977452E039}" type="datetimeFigureOut">
               <a:rPr lang="ko-KR" altLang="en-US" smtClean="0"/>
-              <a:t>2021-09-23(Thu)</a:t>
+              <a:t>2021-09-24(Fri)</a:t>
             </a:fld>
             <a:endParaRPr lang="ko-KR" altLang="en-US"/>
           </a:p>
@@ -1764,7 +1764,7 @@
           <a:p>
             <a:fld id="{BAA37A52-8346-44EA-BF0C-62977452E039}" type="datetimeFigureOut">
               <a:rPr lang="ko-KR" altLang="en-US" smtClean="0"/>
-              <a:t>2021-09-23(Thu)</a:t>
+              <a:t>2021-09-24(Fri)</a:t>
             </a:fld>
             <a:endParaRPr lang="ko-KR" altLang="en-US"/>
           </a:p>
@@ -1882,7 +1882,7 @@
           <a:p>
             <a:fld id="{BAA37A52-8346-44EA-BF0C-62977452E039}" type="datetimeFigureOut">
               <a:rPr lang="ko-KR" altLang="en-US" smtClean="0"/>
-              <a:t>2021-09-23(Thu)</a:t>
+              <a:t>2021-09-24(Fri)</a:t>
             </a:fld>
             <a:endParaRPr lang="ko-KR" altLang="en-US"/>
           </a:p>
@@ -1977,7 +1977,7 @@
           <a:p>
             <a:fld id="{BAA37A52-8346-44EA-BF0C-62977452E039}" type="datetimeFigureOut">
               <a:rPr lang="ko-KR" altLang="en-US" smtClean="0"/>
-              <a:t>2021-09-23(Thu)</a:t>
+              <a:t>2021-09-24(Fri)</a:t>
             </a:fld>
             <a:endParaRPr lang="ko-KR" altLang="en-US"/>
           </a:p>
@@ -2254,7 +2254,7 @@
           <a:p>
             <a:fld id="{BAA37A52-8346-44EA-BF0C-62977452E039}" type="datetimeFigureOut">
               <a:rPr lang="ko-KR" altLang="en-US" smtClean="0"/>
-              <a:t>2021-09-23(Thu)</a:t>
+              <a:t>2021-09-24(Fri)</a:t>
             </a:fld>
             <a:endParaRPr lang="ko-KR" altLang="en-US"/>
           </a:p>
@@ -2507,7 +2507,7 @@
           <a:p>
             <a:fld id="{BAA37A52-8346-44EA-BF0C-62977452E039}" type="datetimeFigureOut">
               <a:rPr lang="ko-KR" altLang="en-US" smtClean="0"/>
-              <a:t>2021-09-23(Thu)</a:t>
+              <a:t>2021-09-24(Fri)</a:t>
             </a:fld>
             <a:endParaRPr lang="ko-KR" altLang="en-US"/>
           </a:p>
@@ -2720,7 +2720,7 @@
           <a:p>
             <a:fld id="{BAA37A52-8346-44EA-BF0C-62977452E039}" type="datetimeFigureOut">
               <a:rPr lang="ko-KR" altLang="en-US" smtClean="0"/>
-              <a:t>2021-09-23(Thu)</a:t>
+              <a:t>2021-09-24(Fri)</a:t>
             </a:fld>
             <a:endParaRPr lang="ko-KR" altLang="en-US"/>
           </a:p>
@@ -3484,7 +3484,7 @@
         </p:nvSpPr>
         <p:spPr>
           <a:xfrm>
-            <a:off x="2636843" y="3946345"/>
+            <a:off x="2636841" y="2593316"/>
             <a:ext cx="691215" cy="369332"/>
           </a:xfrm>
           <a:prstGeom prst="rect">
@@ -4759,6 +4759,66 @@
             <a:r>
               <a:rPr lang="en-US" altLang="ko-KR" dirty="0" smtClean="0"/>
               <a:t>[3][4]</a:t>
+            </a:r>
+            <a:endParaRPr lang="ko-KR" altLang="en-US" dirty="0"/>
+          </a:p>
+        </p:txBody>
+      </p:sp>
+      <p:sp>
+        <p:nvSpPr>
+          <p:cNvPr id="43" name="TextBox 42"/>
+          <p:cNvSpPr txBox="1"/>
+          <p:nvPr/>
+        </p:nvSpPr>
+        <p:spPr>
+          <a:xfrm>
+            <a:off x="2636842" y="3182523"/>
+            <a:ext cx="691215" cy="369332"/>
+          </a:xfrm>
+          <a:prstGeom prst="rect">
+            <a:avLst/>
+          </a:prstGeom>
+          <a:noFill/>
+        </p:spPr>
+        <p:txBody>
+          <a:bodyPr wrap="none" rtlCol="0">
+            <a:spAutoFit/>
+          </a:bodyPr>
+          <a:lstStyle/>
+          <a:p>
+            <a:r>
+              <a:rPr lang="en-US" altLang="ko-KR" dirty="0" smtClean="0"/>
+              <a:t>2008</a:t>
+            </a:r>
+            <a:endParaRPr lang="ko-KR" altLang="en-US" dirty="0"/>
+          </a:p>
+        </p:txBody>
+      </p:sp>
+      <p:sp>
+        <p:nvSpPr>
+          <p:cNvPr id="44" name="TextBox 43"/>
+          <p:cNvSpPr txBox="1"/>
+          <p:nvPr/>
+        </p:nvSpPr>
+        <p:spPr>
+          <a:xfrm>
+            <a:off x="2636842" y="3946345"/>
+            <a:ext cx="691215" cy="369332"/>
+          </a:xfrm>
+          <a:prstGeom prst="rect">
+            <a:avLst/>
+          </a:prstGeom>
+          <a:noFill/>
+        </p:spPr>
+        <p:txBody>
+          <a:bodyPr wrap="none" rtlCol="0">
+            <a:spAutoFit/>
+          </a:bodyPr>
+          <a:lstStyle/>
+          <a:p>
+            <a:r>
+              <a:rPr lang="en-US" altLang="ko-KR" dirty="0" smtClean="0"/>
+              <a:t>2012</a:t>
             </a:r>
             <a:endParaRPr lang="ko-KR" altLang="en-US" dirty="0"/>
           </a:p>
